--- a/Lecture 5/InferringTransmissionDynamics_v1.pptx
+++ b/Lecture 5/InferringTransmissionDynamics_v1.pptx
@@ -1809,20 +1809,15 @@
         </p:spPr>
         <p:txBody>
           <a:bodyPr>
-            <a:normAutofit fontScale="90000"/>
+            <a:normAutofit/>
           </a:bodyPr>
           <a:lstStyle/>
           <a:p>
             <a:r>
-              <a:rPr lang="en-US" sz="4800" dirty="0"/>
-              <a:t>Lecture 5</a:t>
-            </a:r>
-            <a:br>
-              <a:rPr lang="en-US" sz="4800" dirty="0"/>
-            </a:br>
-            <a:r>
-              <a:rPr lang="en-US" sz="4800" b="1" dirty="0"/>
-              <a:t>Inferring transmission dynamics from seroprevalence data</a:t>
+              <a:rPr lang="en-US" sz="3600" dirty="0">
+                <a:latin typeface="Aptos" panose="020B0004020202020204" pitchFamily="34" charset="0"/>
+              </a:rPr>
+              <a:t>Lecture 5: Inferring transmission dynamics from seroprevalence data</a:t>
             </a:r>
           </a:p>
         </p:txBody>
@@ -1851,7 +1846,7 @@
         </p:spPr>
         <p:txBody>
           <a:bodyPr>
-            <a:normAutofit lnSpcReduction="10000"/>
+            <a:normAutofit/>
           </a:bodyPr>
           <a:lstStyle/>
           <a:p>
@@ -1871,17 +1866,7 @@
           <a:p>
             <a:r>
               <a:rPr lang="en-US" dirty="0"/>
-              <a:t>Megan O’Driscoll</a:t>
-            </a:r>
-          </a:p>
-          <a:p>
-            <a:r>
-              <a:rPr lang="en-US" dirty="0" err="1"/>
-              <a:t>Seroanalytics</a:t>
-            </a:r>
-            <a:r>
-              <a:rPr lang="en-US" dirty="0"/>
-              <a:t> Training</a:t>
+              <a:t>Seroanalytics Training</a:t>
             </a:r>
             <a:br>
               <a:rPr lang="en-US" dirty="0"/>
